--- a/Assets/Research/Week 9.pptx
+++ b/Assets/Research/Week 9.pptx
@@ -6,9 +6,14 @@
   </p:sldMasterIdLst>
   <p:sldIdLst>
     <p:sldId id="256" r:id="rId2"/>
-    <p:sldId id="257" r:id="rId3"/>
-    <p:sldId id="258" r:id="rId4"/>
-    <p:sldId id="259" r:id="rId5"/>
+    <p:sldId id="260" r:id="rId3"/>
+    <p:sldId id="262" r:id="rId4"/>
+    <p:sldId id="261" r:id="rId5"/>
+    <p:sldId id="258" r:id="rId6"/>
+    <p:sldId id="263" r:id="rId7"/>
+    <p:sldId id="259" r:id="rId8"/>
+    <p:sldId id="257" r:id="rId9"/>
+    <p:sldId id="264" r:id="rId10"/>
   </p:sldIdLst>
   <p:sldSz cx="12192000" cy="6858000"/>
   <p:notesSz cx="6858000" cy="9144000"/>
@@ -107,6 +112,11 @@
       </a:defRPr>
     </a:lvl9pPr>
   </p:defaultTextStyle>
+  <p:extLst>
+    <p:ext uri="{EFAFB233-063F-42B5-8137-9DF3F51BA10A}">
+      <p15:sldGuideLst xmlns:p15="http://schemas.microsoft.com/office/powerpoint/2012/main"/>
+    </p:ext>
+  </p:extLst>
 </p:presentation>
 </file>
 
@@ -3061,7 +3071,7 @@
             <a:pPr algn="ctr"/>
             <a:r>
               <a:rPr lang="en-GB" dirty="0" smtClean="0"/>
-              <a:t>What We Will Deliver For Final Week</a:t>
+              <a:t>The Game</a:t>
             </a:r>
             <a:endParaRPr lang="en-GB" dirty="0"/>
           </a:p>
@@ -3084,32 +3094,32 @@
           <a:p>
             <a:r>
               <a:rPr lang="en-GB" dirty="0" smtClean="0"/>
-              <a:t>[Artwork]</a:t>
+              <a:t>[Mainly how our game meets the brief]</a:t>
             </a:r>
           </a:p>
           <a:p>
             <a:r>
               <a:rPr lang="en-GB" dirty="0" smtClean="0"/>
-              <a:t>[Key assets]</a:t>
+              <a:t>[Our game is symmetric ]</a:t>
             </a:r>
           </a:p>
           <a:p>
             <a:r>
               <a:rPr lang="en-GB" dirty="0" smtClean="0"/>
-              <a:t>[If we have more than one level]</a:t>
-            </a:r>
+              <a:t>[Our game is original because … (explain)] </a:t>
+            </a:r>
+          </a:p>
+          <a:p>
+            <a:endParaRPr lang="en-GB" dirty="0" smtClean="0"/>
           </a:p>
           <a:p>
             <a:r>
               <a:rPr lang="en-GB" dirty="0" smtClean="0"/>
-              <a:t>[Main theme(s)]</a:t>
-            </a:r>
-          </a:p>
-          <a:p>
-            <a:r>
-              <a:rPr lang="en-GB" dirty="0" smtClean="0"/>
-              <a:t>[Playtesting evidence. (Info / Video / Photo)]</a:t>
-            </a:r>
+              <a:t>[Photo of the map to show the layout]</a:t>
+            </a:r>
+          </a:p>
+          <a:p>
+            <a:endParaRPr lang="en-GB" dirty="0" smtClean="0"/>
           </a:p>
           <a:p>
             <a:endParaRPr lang="en-GB" dirty="0"/>
@@ -3119,7 +3129,7 @@
     </p:spTree>
     <p:extLst>
       <p:ext uri="{BB962C8B-B14F-4D97-AF65-F5344CB8AC3E}">
-        <p14:creationId xmlns:p14="http://schemas.microsoft.com/office/powerpoint/2010/main" val="2907123046"/>
+        <p14:creationId xmlns:p14="http://schemas.microsoft.com/office/powerpoint/2010/main" val="2856492424"/>
       </p:ext>
     </p:extLst>
   </p:cSld>
@@ -3164,7 +3174,7 @@
             <a:pPr algn="ctr"/>
             <a:r>
               <a:rPr lang="en-GB" dirty="0" smtClean="0"/>
-              <a:t>In Game </a:t>
+              <a:t>Theme</a:t>
             </a:r>
             <a:endParaRPr lang="en-GB" dirty="0"/>
           </a:p>
@@ -3187,20 +3197,17 @@
           <a:p>
             <a:r>
               <a:rPr lang="en-GB" dirty="0" smtClean="0"/>
-              <a:t>[Two person combat]</a:t>
+              <a:t>[Justify why we chose this theme]</a:t>
             </a:r>
           </a:p>
           <a:p>
             <a:r>
               <a:rPr lang="en-GB" dirty="0" smtClean="0"/>
-              <a:t>[Single complete playing area]</a:t>
-            </a:r>
-          </a:p>
-          <a:p>
-            <a:r>
-              <a:rPr lang="en-GB" dirty="0" smtClean="0"/>
-              <a:t>[Fully operating UI]</a:t>
-            </a:r>
+              <a:t>[Photos / artwork]</a:t>
+            </a:r>
+          </a:p>
+          <a:p>
+            <a:endParaRPr lang="en-GB" dirty="0" smtClean="0"/>
           </a:p>
           <a:p>
             <a:endParaRPr lang="en-GB" dirty="0"/>
@@ -3210,7 +3217,7 @@
     </p:spTree>
     <p:extLst>
       <p:ext uri="{BB962C8B-B14F-4D97-AF65-F5344CB8AC3E}">
-        <p14:creationId xmlns:p14="http://schemas.microsoft.com/office/powerpoint/2010/main" val="235711856"/>
+        <p14:creationId xmlns:p14="http://schemas.microsoft.com/office/powerpoint/2010/main" val="2880867187"/>
       </p:ext>
     </p:extLst>
   </p:cSld>
@@ -3255,6 +3262,289 @@
             <a:pPr algn="ctr"/>
             <a:r>
               <a:rPr lang="en-GB" dirty="0" smtClean="0"/>
+              <a:t>Physics</a:t>
+            </a:r>
+            <a:endParaRPr lang="en-GB" dirty="0"/>
+          </a:p>
+        </p:txBody>
+      </p:sp>
+      <p:sp>
+        <p:nvSpPr>
+          <p:cNvPr id="3" name="Content Placeholder 2"/>
+          <p:cNvSpPr>
+            <a:spLocks noGrp="1"/>
+          </p:cNvSpPr>
+          <p:nvPr>
+            <p:ph idx="1"/>
+          </p:nvPr>
+        </p:nvSpPr>
+        <p:spPr/>
+        <p:txBody>
+          <a:bodyPr/>
+          <a:lstStyle/>
+          <a:p>
+            <a:r>
+              <a:rPr lang="en-GB" dirty="0" smtClean="0"/>
+              <a:t>[How the physics within the game drive the action]</a:t>
+            </a:r>
+          </a:p>
+          <a:p>
+            <a:r>
+              <a:rPr lang="en-GB" smtClean="0"/>
+              <a:t>[How </a:t>
+            </a:r>
+            <a:r>
+              <a:rPr lang="en-GB" dirty="0" smtClean="0"/>
+              <a:t>do they effect </a:t>
+            </a:r>
+            <a:r>
+              <a:rPr lang="en-GB" smtClean="0"/>
+              <a:t>emotional reactions]</a:t>
+            </a:r>
+            <a:endParaRPr lang="en-GB" dirty="0"/>
+          </a:p>
+          <a:p>
+            <a:r>
+              <a:rPr lang="en-GB" dirty="0" smtClean="0"/>
+              <a:t>[Photos / Videos of water going everywhere]</a:t>
+            </a:r>
+          </a:p>
+          <a:p>
+            <a:endParaRPr lang="en-GB" dirty="0"/>
+          </a:p>
+        </p:txBody>
+      </p:sp>
+    </p:spTree>
+    <p:extLst>
+      <p:ext uri="{BB962C8B-B14F-4D97-AF65-F5344CB8AC3E}">
+        <p14:creationId xmlns:p14="http://schemas.microsoft.com/office/powerpoint/2010/main" val="1654095089"/>
+      </p:ext>
+    </p:extLst>
+  </p:cSld>
+  <p:clrMapOvr>
+    <a:masterClrMapping/>
+  </p:clrMapOvr>
+</p:sld>
+</file>
+
+<file path=ppt/slides/slide5.xml><?xml version="1.0" encoding="utf-8"?>
+<p:sld xmlns:a="http://schemas.openxmlformats.org/drawingml/2006/main" xmlns:r="http://schemas.openxmlformats.org/officeDocument/2006/relationships" xmlns:p="http://schemas.openxmlformats.org/presentationml/2006/main">
+  <p:cSld>
+    <p:spTree>
+      <p:nvGrpSpPr>
+        <p:cNvPr id="1" name=""/>
+        <p:cNvGrpSpPr/>
+        <p:nvPr/>
+      </p:nvGrpSpPr>
+      <p:grpSpPr>
+        <a:xfrm>
+          <a:off x="0" y="0"/>
+          <a:ext cx="0" cy="0"/>
+          <a:chOff x="0" y="0"/>
+          <a:chExt cx="0" cy="0"/>
+        </a:xfrm>
+      </p:grpSpPr>
+      <p:sp>
+        <p:nvSpPr>
+          <p:cNvPr id="2" name="Title 1"/>
+          <p:cNvSpPr>
+            <a:spLocks noGrp="1"/>
+          </p:cNvSpPr>
+          <p:nvPr>
+            <p:ph type="title"/>
+          </p:nvPr>
+        </p:nvSpPr>
+        <p:spPr/>
+        <p:txBody>
+          <a:bodyPr/>
+          <a:lstStyle/>
+          <a:p>
+            <a:pPr algn="ctr"/>
+            <a:r>
+              <a:rPr lang="en-GB" dirty="0" smtClean="0"/>
+              <a:t>More Specifically In Game </a:t>
+            </a:r>
+            <a:endParaRPr lang="en-GB" dirty="0"/>
+          </a:p>
+        </p:txBody>
+      </p:sp>
+      <p:sp>
+        <p:nvSpPr>
+          <p:cNvPr id="3" name="Content Placeholder 2"/>
+          <p:cNvSpPr>
+            <a:spLocks noGrp="1"/>
+          </p:cNvSpPr>
+          <p:nvPr>
+            <p:ph idx="1"/>
+          </p:nvPr>
+        </p:nvSpPr>
+        <p:spPr/>
+        <p:txBody>
+          <a:bodyPr/>
+          <a:lstStyle/>
+          <a:p>
+            <a:r>
+              <a:rPr lang="en-GB" dirty="0" smtClean="0"/>
+              <a:t>[Two person combat]</a:t>
+            </a:r>
+          </a:p>
+          <a:p>
+            <a:r>
+              <a:rPr lang="en-GB" dirty="0" smtClean="0"/>
+              <a:t>[Single complete playing area]</a:t>
+            </a:r>
+          </a:p>
+          <a:p>
+            <a:r>
+              <a:rPr lang="en-GB" dirty="0" smtClean="0"/>
+              <a:t>[Fully operating UI]</a:t>
+            </a:r>
+          </a:p>
+          <a:p>
+            <a:r>
+              <a:rPr lang="en-GB" dirty="0" smtClean="0"/>
+              <a:t>[Scoring system – how it works]</a:t>
+            </a:r>
+          </a:p>
+          <a:p>
+            <a:endParaRPr lang="en-GB" dirty="0" smtClean="0"/>
+          </a:p>
+          <a:p>
+            <a:endParaRPr lang="en-GB" dirty="0"/>
+          </a:p>
+        </p:txBody>
+      </p:sp>
+    </p:spTree>
+    <p:extLst>
+      <p:ext uri="{BB962C8B-B14F-4D97-AF65-F5344CB8AC3E}">
+        <p14:creationId xmlns:p14="http://schemas.microsoft.com/office/powerpoint/2010/main" val="235711856"/>
+      </p:ext>
+    </p:extLst>
+  </p:cSld>
+  <p:clrMapOvr>
+    <a:masterClrMapping/>
+  </p:clrMapOvr>
+</p:sld>
+</file>
+
+<file path=ppt/slides/slide6.xml><?xml version="1.0" encoding="utf-8"?>
+<p:sld xmlns:a="http://schemas.openxmlformats.org/drawingml/2006/main" xmlns:r="http://schemas.openxmlformats.org/officeDocument/2006/relationships" xmlns:p="http://schemas.openxmlformats.org/presentationml/2006/main">
+  <p:cSld>
+    <p:spTree>
+      <p:nvGrpSpPr>
+        <p:cNvPr id="1" name=""/>
+        <p:cNvGrpSpPr/>
+        <p:nvPr/>
+      </p:nvGrpSpPr>
+      <p:grpSpPr>
+        <a:xfrm>
+          <a:off x="0" y="0"/>
+          <a:ext cx="0" cy="0"/>
+          <a:chOff x="0" y="0"/>
+          <a:chExt cx="0" cy="0"/>
+        </a:xfrm>
+      </p:grpSpPr>
+      <p:sp>
+        <p:nvSpPr>
+          <p:cNvPr id="2" name="Title 1"/>
+          <p:cNvSpPr>
+            <a:spLocks noGrp="1"/>
+          </p:cNvSpPr>
+          <p:nvPr>
+            <p:ph type="title"/>
+          </p:nvPr>
+        </p:nvSpPr>
+        <p:spPr/>
+        <p:txBody>
+          <a:bodyPr/>
+          <a:lstStyle/>
+          <a:p>
+            <a:pPr algn="ctr"/>
+            <a:r>
+              <a:rPr lang="en-GB" dirty="0" smtClean="0"/>
+              <a:t>Current Build </a:t>
+            </a:r>
+            <a:endParaRPr lang="en-GB" dirty="0"/>
+          </a:p>
+        </p:txBody>
+      </p:sp>
+      <p:sp>
+        <p:nvSpPr>
+          <p:cNvPr id="3" name="Content Placeholder 2"/>
+          <p:cNvSpPr>
+            <a:spLocks noGrp="1"/>
+          </p:cNvSpPr>
+          <p:nvPr>
+            <p:ph idx="1"/>
+          </p:nvPr>
+        </p:nvSpPr>
+        <p:spPr/>
+        <p:txBody>
+          <a:bodyPr/>
+          <a:lstStyle/>
+          <a:p>
+            <a:r>
+              <a:rPr lang="en-GB" dirty="0" smtClean="0"/>
+              <a:t>[If we have a build up then put it here and show them]</a:t>
+            </a:r>
+          </a:p>
+          <a:p>
+            <a:r>
+              <a:rPr lang="en-GB" dirty="0" smtClean="0"/>
+              <a:t>[Talk whilst video plays]</a:t>
+            </a:r>
+            <a:endParaRPr lang="en-GB" dirty="0"/>
+          </a:p>
+        </p:txBody>
+      </p:sp>
+    </p:spTree>
+    <p:extLst>
+      <p:ext uri="{BB962C8B-B14F-4D97-AF65-F5344CB8AC3E}">
+        <p14:creationId xmlns:p14="http://schemas.microsoft.com/office/powerpoint/2010/main" val="3389902557"/>
+      </p:ext>
+    </p:extLst>
+  </p:cSld>
+  <p:clrMapOvr>
+    <a:masterClrMapping/>
+  </p:clrMapOvr>
+</p:sld>
+</file>
+
+<file path=ppt/slides/slide7.xml><?xml version="1.0" encoding="utf-8"?>
+<p:sld xmlns:a="http://schemas.openxmlformats.org/drawingml/2006/main" xmlns:r="http://schemas.openxmlformats.org/officeDocument/2006/relationships" xmlns:p="http://schemas.openxmlformats.org/presentationml/2006/main">
+  <p:cSld>
+    <p:spTree>
+      <p:nvGrpSpPr>
+        <p:cNvPr id="1" name=""/>
+        <p:cNvGrpSpPr/>
+        <p:nvPr/>
+      </p:nvGrpSpPr>
+      <p:grpSpPr>
+        <a:xfrm>
+          <a:off x="0" y="0"/>
+          <a:ext cx="0" cy="0"/>
+          <a:chOff x="0" y="0"/>
+          <a:chExt cx="0" cy="0"/>
+        </a:xfrm>
+      </p:grpSpPr>
+      <p:sp>
+        <p:nvSpPr>
+          <p:cNvPr id="2" name="Title 1"/>
+          <p:cNvSpPr>
+            <a:spLocks noGrp="1"/>
+          </p:cNvSpPr>
+          <p:nvPr>
+            <p:ph type="title"/>
+          </p:nvPr>
+        </p:nvSpPr>
+        <p:spPr/>
+        <p:txBody>
+          <a:bodyPr/>
+          <a:lstStyle/>
+          <a:p>
+            <a:pPr algn="ctr"/>
+            <a:r>
+              <a:rPr lang="en-GB" dirty="0" smtClean="0"/>
               <a:t>Playtesting</a:t>
             </a:r>
             <a:endParaRPr lang="en-GB" dirty="0"/>
@@ -3275,6 +3565,16 @@
         <p:txBody>
           <a:bodyPr/>
           <a:lstStyle/>
+          <a:p>
+            <a:r>
+              <a:rPr lang="en-GB" dirty="0" smtClean="0"/>
+              <a:t>[Mention previous slide for gameplay]</a:t>
+            </a:r>
+            <a:endParaRPr lang="en-GB" dirty="0"/>
+          </a:p>
+          <a:p>
+            <a:endParaRPr lang="en-GB" dirty="0" smtClean="0"/>
+          </a:p>
           <a:p>
             <a:r>
               <a:rPr lang="en-GB" dirty="0" smtClean="0"/>
@@ -3306,6 +3606,213 @@
     <p:extLst>
       <p:ext uri="{BB962C8B-B14F-4D97-AF65-F5344CB8AC3E}">
         <p14:creationId xmlns:p14="http://schemas.microsoft.com/office/powerpoint/2010/main" val="200838527"/>
+      </p:ext>
+    </p:extLst>
+  </p:cSld>
+  <p:clrMapOvr>
+    <a:masterClrMapping/>
+  </p:clrMapOvr>
+</p:sld>
+</file>
+
+<file path=ppt/slides/slide8.xml><?xml version="1.0" encoding="utf-8"?>
+<p:sld xmlns:a="http://schemas.openxmlformats.org/drawingml/2006/main" xmlns:r="http://schemas.openxmlformats.org/officeDocument/2006/relationships" xmlns:p="http://schemas.openxmlformats.org/presentationml/2006/main">
+  <p:cSld>
+    <p:spTree>
+      <p:nvGrpSpPr>
+        <p:cNvPr id="1" name=""/>
+        <p:cNvGrpSpPr/>
+        <p:nvPr/>
+      </p:nvGrpSpPr>
+      <p:grpSpPr>
+        <a:xfrm>
+          <a:off x="0" y="0"/>
+          <a:ext cx="0" cy="0"/>
+          <a:chOff x="0" y="0"/>
+          <a:chExt cx="0" cy="0"/>
+        </a:xfrm>
+      </p:grpSpPr>
+      <p:sp>
+        <p:nvSpPr>
+          <p:cNvPr id="2" name="Title 1"/>
+          <p:cNvSpPr>
+            <a:spLocks noGrp="1"/>
+          </p:cNvSpPr>
+          <p:nvPr>
+            <p:ph type="title"/>
+          </p:nvPr>
+        </p:nvSpPr>
+        <p:spPr/>
+        <p:txBody>
+          <a:bodyPr/>
+          <a:lstStyle/>
+          <a:p>
+            <a:pPr algn="ctr"/>
+            <a:r>
+              <a:rPr lang="en-GB" dirty="0" smtClean="0"/>
+              <a:t>Final Week</a:t>
+            </a:r>
+            <a:endParaRPr lang="en-GB" dirty="0"/>
+          </a:p>
+        </p:txBody>
+      </p:sp>
+      <p:sp>
+        <p:nvSpPr>
+          <p:cNvPr id="3" name="Content Placeholder 2"/>
+          <p:cNvSpPr>
+            <a:spLocks noGrp="1"/>
+          </p:cNvSpPr>
+          <p:nvPr>
+            <p:ph idx="1"/>
+          </p:nvPr>
+        </p:nvSpPr>
+        <p:spPr/>
+        <p:txBody>
+          <a:bodyPr/>
+          <a:lstStyle/>
+          <a:p>
+            <a:r>
+              <a:rPr lang="en-GB" dirty="0" smtClean="0"/>
+              <a:t>[Artwork]</a:t>
+            </a:r>
+          </a:p>
+          <a:p>
+            <a:r>
+              <a:rPr lang="en-GB" dirty="0" smtClean="0"/>
+              <a:t>[Key assets]</a:t>
+            </a:r>
+          </a:p>
+          <a:p>
+            <a:r>
+              <a:rPr lang="en-GB" dirty="0" smtClean="0"/>
+              <a:t>[If we have more than one level]</a:t>
+            </a:r>
+          </a:p>
+          <a:p>
+            <a:r>
+              <a:rPr lang="en-GB" dirty="0" smtClean="0"/>
+              <a:t>[Main theme(s)]</a:t>
+            </a:r>
+          </a:p>
+          <a:p>
+            <a:r>
+              <a:rPr lang="en-GB" dirty="0" smtClean="0"/>
+              <a:t>[Playtesting evidence. (Info / Video / Photo)]</a:t>
+            </a:r>
+          </a:p>
+          <a:p>
+            <a:endParaRPr lang="en-GB" dirty="0"/>
+          </a:p>
+        </p:txBody>
+      </p:sp>
+    </p:spTree>
+    <p:extLst>
+      <p:ext uri="{BB962C8B-B14F-4D97-AF65-F5344CB8AC3E}">
+        <p14:creationId xmlns:p14="http://schemas.microsoft.com/office/powerpoint/2010/main" val="2907123046"/>
+      </p:ext>
+    </p:extLst>
+  </p:cSld>
+  <p:clrMapOvr>
+    <a:masterClrMapping/>
+  </p:clrMapOvr>
+</p:sld>
+</file>
+
+<file path=ppt/slides/slide9.xml><?xml version="1.0" encoding="utf-8"?>
+<p:sld xmlns:a="http://schemas.openxmlformats.org/drawingml/2006/main" xmlns:r="http://schemas.openxmlformats.org/officeDocument/2006/relationships" xmlns:p="http://schemas.openxmlformats.org/presentationml/2006/main">
+  <p:cSld>
+    <p:spTree>
+      <p:nvGrpSpPr>
+        <p:cNvPr id="1" name=""/>
+        <p:cNvGrpSpPr/>
+        <p:nvPr/>
+      </p:nvGrpSpPr>
+      <p:grpSpPr>
+        <a:xfrm>
+          <a:off x="0" y="0"/>
+          <a:ext cx="0" cy="0"/>
+          <a:chOff x="0" y="0"/>
+          <a:chExt cx="0" cy="0"/>
+        </a:xfrm>
+      </p:grpSpPr>
+      <p:sp>
+        <p:nvSpPr>
+          <p:cNvPr id="2" name="Title 1"/>
+          <p:cNvSpPr>
+            <a:spLocks noGrp="1"/>
+          </p:cNvSpPr>
+          <p:nvPr>
+            <p:ph type="title"/>
+          </p:nvPr>
+        </p:nvSpPr>
+        <p:spPr/>
+        <p:txBody>
+          <a:bodyPr/>
+          <a:lstStyle/>
+          <a:p>
+            <a:pPr algn="ctr"/>
+            <a:r>
+              <a:rPr lang="en-GB" dirty="0" smtClean="0"/>
+              <a:t>Questions Slide</a:t>
+            </a:r>
+            <a:endParaRPr lang="en-GB" dirty="0"/>
+          </a:p>
+        </p:txBody>
+      </p:sp>
+      <p:sp>
+        <p:nvSpPr>
+          <p:cNvPr id="3" name="Content Placeholder 2"/>
+          <p:cNvSpPr>
+            <a:spLocks noGrp="1"/>
+          </p:cNvSpPr>
+          <p:nvPr>
+            <p:ph idx="1"/>
+          </p:nvPr>
+        </p:nvSpPr>
+        <p:spPr/>
+        <p:txBody>
+          <a:bodyPr/>
+          <a:lstStyle/>
+          <a:p>
+            <a:pPr marL="0" indent="0" algn="ctr">
+              <a:buNone/>
+            </a:pPr>
+            <a:endParaRPr lang="en-GB" dirty="0" smtClean="0"/>
+          </a:p>
+          <a:p>
+            <a:pPr marL="0" indent="0" algn="ctr">
+              <a:buNone/>
+            </a:pPr>
+            <a:endParaRPr lang="en-GB" dirty="0"/>
+          </a:p>
+          <a:p>
+            <a:pPr marL="0" indent="0" algn="ctr">
+              <a:buNone/>
+            </a:pPr>
+            <a:endParaRPr lang="en-GB" dirty="0" smtClean="0"/>
+          </a:p>
+          <a:p>
+            <a:pPr marL="0" indent="0" algn="ctr">
+              <a:buNone/>
+            </a:pPr>
+            <a:endParaRPr lang="en-GB" dirty="0"/>
+          </a:p>
+          <a:p>
+            <a:pPr marL="0" indent="0" algn="ctr">
+              <a:buNone/>
+            </a:pPr>
+            <a:r>
+              <a:rPr lang="en-GB" dirty="0" smtClean="0"/>
+              <a:t>Thanks for watching.</a:t>
+            </a:r>
+            <a:endParaRPr lang="en-GB" dirty="0"/>
+          </a:p>
+        </p:txBody>
+      </p:sp>
+    </p:spTree>
+    <p:extLst>
+      <p:ext uri="{BB962C8B-B14F-4D97-AF65-F5344CB8AC3E}">
+        <p14:creationId xmlns:p14="http://schemas.microsoft.com/office/powerpoint/2010/main" val="799085454"/>
       </p:ext>
     </p:extLst>
   </p:cSld>
